--- a/quiz.pptx
+++ b/quiz.pptx
@@ -5,7 +5,7 @@
     <p:sldMasterId id="2147483672" r:id="rId1"/>
   </p:sldMasterIdLst>
   <p:notesMasterIdLst>
-    <p:notesMasterId r:id="rId9"/>
+    <p:notesMasterId r:id="rId11"/>
   </p:notesMasterIdLst>
   <p:sldIdLst>
     <p:sldId id="256" r:id="rId2"/>
@@ -15,6 +15,8 @@
     <p:sldId id="260" r:id="rId6"/>
     <p:sldId id="261" r:id="rId7"/>
     <p:sldId id="262" r:id="rId8"/>
+    <p:sldId id="263" r:id="rId9"/>
+    <p:sldId id="264" r:id="rId10"/>
   </p:sldIdLst>
   <p:sldSz cx="9144000" cy="6858000" type="screen4x3"/>
   <p:notesSz cx="6858000" cy="9144000"/>
@@ -133,6 +135,8 @@
         <p14:section name="Untitled Section" id="{7B821461-63F8-492D-A1E3-FE3E7B38FA06}">
           <p14:sldIdLst>
             <p14:sldId id="262"/>
+            <p14:sldId id="263"/>
+            <p14:sldId id="264"/>
           </p14:sldIdLst>
         </p14:section>
       </p14:sectionLst>
@@ -9119,6 +9123,298 @@
 </p:sld>
 </file>
 
+<file path=ppt/slides/slide8.xml><?xml version="1.0" encoding="utf-8"?>
+<p:sld xmlns:a="http://schemas.openxmlformats.org/drawingml/2006/main" xmlns:r="http://schemas.openxmlformats.org/officeDocument/2006/relationships" xmlns:p="http://schemas.openxmlformats.org/presentationml/2006/main">
+  <p:cSld>
+    <p:spTree>
+      <p:nvGrpSpPr>
+        <p:cNvPr id="1" name=""/>
+        <p:cNvGrpSpPr/>
+        <p:nvPr/>
+      </p:nvGrpSpPr>
+      <p:grpSpPr>
+        <a:xfrm>
+          <a:off x="0" y="0"/>
+          <a:ext cx="0" cy="0"/>
+          <a:chOff x="0" y="0"/>
+          <a:chExt cx="0" cy="0"/>
+        </a:xfrm>
+      </p:grpSpPr>
+      <p:sp>
+        <p:nvSpPr>
+          <p:cNvPr id="6" name="Title 5"/>
+          <p:cNvSpPr>
+            <a:spLocks noGrp="1"/>
+          </p:cNvSpPr>
+          <p:nvPr>
+            <p:ph type="title"/>
+          </p:nvPr>
+        </p:nvSpPr>
+        <p:spPr/>
+        <p:txBody>
+          <a:bodyPr/>
+          <a:lstStyle/>
+          <a:p>
+            <a:r>
+              <a:rPr lang="en-US" sz="4800" dirty="0" smtClean="0">
+                <a:latin typeface="Times New Roman" pitchFamily="18" charset="0"/>
+                <a:cs typeface="Times New Roman" pitchFamily="18" charset="0"/>
+              </a:rPr>
+              <a:t>B</a:t>
+            </a:r>
+            <a:r>
+              <a:rPr lang="en-US" sz="3600" dirty="0" smtClean="0">
+                <a:latin typeface="Times New Roman" pitchFamily="18" charset="0"/>
+                <a:cs typeface="Times New Roman" pitchFamily="18" charset="0"/>
+              </a:rPr>
+              <a:t>IBLIOGRAFIE</a:t>
+            </a:r>
+            <a:endParaRPr lang="en-US" sz="3600" dirty="0">
+              <a:latin typeface="Times New Roman" pitchFamily="18" charset="0"/>
+              <a:cs typeface="Times New Roman" pitchFamily="18" charset="0"/>
+            </a:endParaRPr>
+          </a:p>
+        </p:txBody>
+      </p:sp>
+      <p:sp>
+        <p:nvSpPr>
+          <p:cNvPr id="7" name="Content Placeholder 6"/>
+          <p:cNvSpPr>
+            <a:spLocks noGrp="1"/>
+          </p:cNvSpPr>
+          <p:nvPr>
+            <p:ph idx="1"/>
+          </p:nvPr>
+        </p:nvSpPr>
+        <p:spPr/>
+        <p:txBody>
+          <a:bodyPr/>
+          <a:lstStyle/>
+          <a:p>
+            <a:r>
+              <a:rPr lang="en-US" dirty="0">
+                <a:hlinkClick r:id="rId2"/>
+              </a:rPr>
+              <a:t>http://</a:t>
+            </a:r>
+            <a:r>
+              <a:rPr lang="en-US" dirty="0" smtClean="0">
+                <a:hlinkClick r:id="rId2"/>
+              </a:rPr>
+              <a:t>www.w3schools.com</a:t>
+            </a:r>
+            <a:endParaRPr lang="en-US" dirty="0" smtClean="0"/>
+          </a:p>
+          <a:p>
+            <a:r>
+              <a:rPr lang="en-US" dirty="0">
+                <a:hlinkClick r:id="rId3"/>
+              </a:rPr>
+              <a:t>http://</a:t>
+            </a:r>
+            <a:r>
+              <a:rPr lang="en-US" dirty="0" smtClean="0">
+                <a:hlinkClick r:id="rId3"/>
+              </a:rPr>
+              <a:t>stackoverflow.com</a:t>
+            </a:r>
+            <a:endParaRPr lang="en-US" dirty="0" smtClean="0"/>
+          </a:p>
+          <a:p>
+            <a:r>
+              <a:rPr lang="en-US" dirty="0">
+                <a:hlinkClick r:id="rId4"/>
+              </a:rPr>
+              <a:t>https://</a:t>
+            </a:r>
+            <a:r>
+              <a:rPr lang="en-US" dirty="0" smtClean="0">
+                <a:hlinkClick r:id="rId4"/>
+              </a:rPr>
+              <a:t>css-tricks.com</a:t>
+            </a:r>
+            <a:endParaRPr lang="en-US" dirty="0" smtClean="0"/>
+          </a:p>
+          <a:p>
+            <a:endParaRPr lang="en-US" dirty="0"/>
+          </a:p>
+        </p:txBody>
+      </p:sp>
+      <p:sp>
+        <p:nvSpPr>
+          <p:cNvPr id="5" name="Slide Number Placeholder 4"/>
+          <p:cNvSpPr>
+            <a:spLocks noGrp="1"/>
+          </p:cNvSpPr>
+          <p:nvPr>
+            <p:ph type="sldNum" sz="quarter" idx="12"/>
+          </p:nvPr>
+        </p:nvSpPr>
+        <p:spPr/>
+        <p:txBody>
+          <a:bodyPr/>
+          <a:lstStyle/>
+          <a:p>
+            <a:fld id="{F689DAA2-864E-4F42-A2AD-4C5328751A7A}" type="slidenum">
+              <a:rPr lang="en-US" smtClean="0"/>
+              <a:t>8</a:t>
+            </a:fld>
+            <a:endParaRPr lang="en-US"/>
+          </a:p>
+        </p:txBody>
+      </p:sp>
+    </p:spTree>
+    <p:extLst>
+      <p:ext uri="{BB962C8B-B14F-4D97-AF65-F5344CB8AC3E}">
+        <p14:creationId xmlns:p14="http://schemas.microsoft.com/office/powerpoint/2010/main" val="2476773036"/>
+      </p:ext>
+    </p:extLst>
+  </p:cSld>
+  <p:clrMapOvr>
+    <a:masterClrMapping/>
+  </p:clrMapOvr>
+  <p:timing>
+    <p:tnLst>
+      <p:par>
+        <p:cTn id="1" dur="indefinite" restart="never" nodeType="tmRoot"/>
+      </p:par>
+    </p:tnLst>
+  </p:timing>
+</p:sld>
+</file>
+
+<file path=ppt/slides/slide9.xml><?xml version="1.0" encoding="utf-8"?>
+<p:sld xmlns:a="http://schemas.openxmlformats.org/drawingml/2006/main" xmlns:r="http://schemas.openxmlformats.org/officeDocument/2006/relationships" xmlns:p="http://schemas.openxmlformats.org/presentationml/2006/main">
+  <p:cSld>
+    <p:spTree>
+      <p:nvGrpSpPr>
+        <p:cNvPr id="1" name=""/>
+        <p:cNvGrpSpPr/>
+        <p:nvPr/>
+      </p:nvGrpSpPr>
+      <p:grpSpPr>
+        <a:xfrm>
+          <a:off x="0" y="0"/>
+          <a:ext cx="0" cy="0"/>
+          <a:chOff x="0" y="0"/>
+          <a:chExt cx="0" cy="0"/>
+        </a:xfrm>
+      </p:grpSpPr>
+      <p:sp>
+        <p:nvSpPr>
+          <p:cNvPr id="2" name="Title 1"/>
+          <p:cNvSpPr>
+            <a:spLocks noGrp="1"/>
+          </p:cNvSpPr>
+          <p:nvPr>
+            <p:ph type="title"/>
+          </p:nvPr>
+        </p:nvSpPr>
+        <p:spPr>
+          <a:xfrm>
+            <a:off x="381000" y="685800"/>
+            <a:ext cx="8305800" cy="2438400"/>
+          </a:xfrm>
+        </p:spPr>
+        <p:txBody>
+          <a:bodyPr/>
+          <a:lstStyle/>
+          <a:p>
+            <a:r>
+              <a:rPr lang="en-US" sz="7200" dirty="0" smtClean="0">
+                <a:latin typeface="Times New Roman" pitchFamily="18" charset="0"/>
+                <a:cs typeface="Times New Roman" pitchFamily="18" charset="0"/>
+              </a:rPr>
+              <a:t>M</a:t>
+            </a:r>
+            <a:r>
+              <a:rPr lang="en-US" sz="5400" dirty="0" smtClean="0">
+                <a:latin typeface="Times New Roman" pitchFamily="18" charset="0"/>
+                <a:cs typeface="Times New Roman" pitchFamily="18" charset="0"/>
+              </a:rPr>
+              <a:t>ULTUMESC SI SUCCES IN AFLAREA ADEVARATULUI VOSTRU URSULET</a:t>
+            </a:r>
+            <a:endParaRPr lang="en-US" sz="5400" dirty="0">
+              <a:latin typeface="Times New Roman" pitchFamily="18" charset="0"/>
+              <a:cs typeface="Times New Roman" pitchFamily="18" charset="0"/>
+            </a:endParaRPr>
+          </a:p>
+        </p:txBody>
+      </p:sp>
+      <p:sp>
+        <p:nvSpPr>
+          <p:cNvPr id="3" name="Content Placeholder 2"/>
+          <p:cNvSpPr>
+            <a:spLocks noGrp="1"/>
+          </p:cNvSpPr>
+          <p:nvPr>
+            <p:ph idx="1"/>
+          </p:nvPr>
+        </p:nvSpPr>
+        <p:spPr>
+          <a:xfrm flipV="1">
+            <a:off x="533400" y="4754563"/>
+            <a:ext cx="8153400" cy="46037"/>
+          </a:xfrm>
+        </p:spPr>
+        <p:txBody>
+          <a:bodyPr/>
+          <a:lstStyle/>
+          <a:p>
+            <a:pPr marL="0" indent="0">
+              <a:buNone/>
+            </a:pPr>
+            <a:r>
+              <a:rPr lang="en-US" dirty="0" smtClean="0"/>
+              <a:t> </a:t>
+            </a:r>
+            <a:endParaRPr lang="en-US" dirty="0"/>
+          </a:p>
+        </p:txBody>
+      </p:sp>
+      <p:sp>
+        <p:nvSpPr>
+          <p:cNvPr id="4" name="Slide Number Placeholder 3"/>
+          <p:cNvSpPr>
+            <a:spLocks noGrp="1"/>
+          </p:cNvSpPr>
+          <p:nvPr>
+            <p:ph type="sldNum" sz="quarter" idx="12"/>
+          </p:nvPr>
+        </p:nvSpPr>
+        <p:spPr/>
+        <p:txBody>
+          <a:bodyPr/>
+          <a:lstStyle/>
+          <a:p>
+            <a:fld id="{F689DAA2-864E-4F42-A2AD-4C5328751A7A}" type="slidenum">
+              <a:rPr lang="en-US" smtClean="0"/>
+              <a:t>9</a:t>
+            </a:fld>
+            <a:endParaRPr lang="en-US"/>
+          </a:p>
+        </p:txBody>
+      </p:sp>
+    </p:spTree>
+    <p:extLst>
+      <p:ext uri="{BB962C8B-B14F-4D97-AF65-F5344CB8AC3E}">
+        <p14:creationId xmlns:p14="http://schemas.microsoft.com/office/powerpoint/2010/main" val="1118701594"/>
+      </p:ext>
+    </p:extLst>
+  </p:cSld>
+  <p:clrMapOvr>
+    <a:masterClrMapping/>
+  </p:clrMapOvr>
+  <p:timing>
+    <p:tnLst>
+      <p:par>
+        <p:cTn id="1" dur="indefinite" restart="never" nodeType="tmRoot"/>
+      </p:par>
+    </p:tnLst>
+  </p:timing>
+</p:sld>
+</file>
+
 <file path=ppt/theme/theme1.xml><?xml version="1.0" encoding="utf-8"?>
 <a:theme xmlns:a="http://schemas.openxmlformats.org/drawingml/2006/main" name="Diseño predeterminado">
   <a:themeElements>
